--- a/A. Raspberry Pi - Image Processing/#4 - Python Part 3 (If - else, for loop, function & module)/P4 - Python Part 3 (If-else, For Loop, Function & Module).pptx
+++ b/A. Raspberry Pi - Image Processing/#4 - Python Part 3 (If - else, for loop, function & module)/P4 - Python Part 3 (If-else, For Loop, Function & Module).pptx
@@ -19757,13 +19757,13 @@
                 <a:rPr lang="en-US">
                   <a:sym typeface="+mn-ea"/>
                 </a:rPr>
-                <a:t>jika multiple</a:t>
+                <a:t>jika </a:t>
               </a:r>
               <a:r>
                 <a:rPr lang="en-US" b="1">
                   <a:sym typeface="+mn-ea"/>
                 </a:rPr>
-                <a:t> if statment </a:t>
+                <a:t>multiple if statment </a:t>
               </a:r>
               <a:r>
                 <a:rPr lang="en-US">

--- a/A. Raspberry Pi - Image Processing/#4 - Python Part 3 (If - else, for loop, function & module)/P4 - Python Part 3 (If-else, For Loop, Function & Module).pptx
+++ b/A. Raspberry Pi - Image Processing/#4 - Python Part 3 (If - else, for loop, function & module)/P4 - Python Part 3 (If-else, For Loop, Function & Module).pptx
@@ -14327,7 +14327,7 @@
         </p:nvGrpSpPr>
         <p:grpSpPr>
           <a:xfrm>
-            <a:off x="410845" y="4010025"/>
+            <a:off x="410845" y="3996690"/>
             <a:ext cx="9865995" cy="817245"/>
             <a:chOff x="1516" y="2783"/>
             <a:chExt cx="15537" cy="1287"/>
